--- a/05_04e/styling pptx from quarto.pptx
+++ b/05_04e/styling pptx from quarto.pptx
@@ -161,17 +161,7 @@
         </p:spPr>
         <p:txBody>
           <a:bodyPr/>
-          <a:lstStyle>
-            <a:lvl1pPr>
-              <a:defRPr>
-                <a:solidFill>
-                  <a:schemeClr val="accent6">
-                    <a:lumMod val="50000"/>
-                  </a:schemeClr>
-                </a:solidFill>
-              </a:defRPr>
-            </a:lvl1pPr>
-          </a:lstStyle>
+          <a:lstStyle/>
           <a:p>
             <a:r>
               <a:rPr lang="en-US"/>
@@ -315,7 +305,7 @@
           <a:p>
             <a:fld id="{241EB5C9-1307-BA42-ABA2-0BC069CD8E7F}" type="datetimeFigureOut">
               <a:rPr lang="en-US" smtClean="0"/>
-              <a:t>2/9/25</a:t>
+              <a:t>5/9/25</a:t>
             </a:fld>
             <a:endParaRPr lang="en-US"/>
           </a:p>
@@ -483,7 +473,7 @@
           <a:p>
             <a:fld id="{241EB5C9-1307-BA42-ABA2-0BC069CD8E7F}" type="datetimeFigureOut">
               <a:rPr lang="en-US" smtClean="0"/>
-              <a:t>2/9/25</a:t>
+              <a:t>5/9/25</a:t>
             </a:fld>
             <a:endParaRPr lang="en-US"/>
           </a:p>
@@ -661,7 +651,7 @@
           <a:p>
             <a:fld id="{241EB5C9-1307-BA42-ABA2-0BC069CD8E7F}" type="datetimeFigureOut">
               <a:rPr lang="en-US" smtClean="0"/>
-              <a:t>2/9/25</a:t>
+              <a:t>5/9/25</a:t>
             </a:fld>
             <a:endParaRPr lang="en-US"/>
           </a:p>
@@ -829,7 +819,7 @@
           <a:p>
             <a:fld id="{241EB5C9-1307-BA42-ABA2-0BC069CD8E7F}" type="datetimeFigureOut">
               <a:rPr lang="en-US" smtClean="0"/>
-              <a:t>2/9/25</a:t>
+              <a:t>5/9/25</a:t>
             </a:fld>
             <a:endParaRPr lang="en-US"/>
           </a:p>
@@ -927,13 +917,7 @@
           <a:bodyPr anchor="t"/>
           <a:lstStyle>
             <a:lvl1pPr algn="l">
-              <a:defRPr sz="3000" b="1" cap="all">
-                <a:solidFill>
-                  <a:schemeClr val="accent2">
-                    <a:lumMod val="75000"/>
-                  </a:schemeClr>
-                </a:solidFill>
-              </a:defRPr>
+              <a:defRPr sz="3000" b="1" cap="all"/>
             </a:lvl1pPr>
           </a:lstStyle>
           <a:p>
@@ -1080,7 +1064,7 @@
           <a:p>
             <a:fld id="{241EB5C9-1307-BA42-ABA2-0BC069CD8E7F}" type="datetimeFigureOut">
               <a:rPr lang="en-US" smtClean="0"/>
-              <a:t>2/9/25</a:t>
+              <a:t>5/9/25</a:t>
             </a:fld>
             <a:endParaRPr lang="en-US"/>
           </a:p>
@@ -1365,7 +1349,7 @@
           <a:p>
             <a:fld id="{241EB5C9-1307-BA42-ABA2-0BC069CD8E7F}" type="datetimeFigureOut">
               <a:rPr lang="en-US" smtClean="0"/>
-              <a:t>2/9/25</a:t>
+              <a:t>5/9/25</a:t>
             </a:fld>
             <a:endParaRPr lang="en-US"/>
           </a:p>
@@ -1486,13 +1470,44 @@
           </a:xfrm>
         </p:spPr>
         <p:txBody>
-          <a:bodyPr vert="horz" lIns="91440" tIns="45720" rIns="91440" bIns="45720" rtlCol="0">
-            <a:normAutofit/>
-          </a:bodyPr>
+          <a:bodyPr anchor="b"/>
           <a:lstStyle>
-            <a:lvl1pPr>
-              <a:defRPr lang="en-US" sz="1800"/>
+            <a:lvl1pPr marL="0" indent="0">
+              <a:buNone/>
+              <a:defRPr sz="1800" b="1"/>
             </a:lvl1pPr>
+            <a:lvl2pPr marL="342900" indent="0">
+              <a:buNone/>
+              <a:defRPr sz="1500" b="1"/>
+            </a:lvl2pPr>
+            <a:lvl3pPr marL="685800" indent="0">
+              <a:buNone/>
+              <a:defRPr sz="1350" b="1"/>
+            </a:lvl3pPr>
+            <a:lvl4pPr marL="1028700" indent="0">
+              <a:buNone/>
+              <a:defRPr sz="1200" b="1"/>
+            </a:lvl4pPr>
+            <a:lvl5pPr marL="1371600" indent="0">
+              <a:buNone/>
+              <a:defRPr sz="1200" b="1"/>
+            </a:lvl5pPr>
+            <a:lvl6pPr marL="1714500" indent="0">
+              <a:buNone/>
+              <a:defRPr sz="1200" b="1"/>
+            </a:lvl6pPr>
+            <a:lvl7pPr marL="2057400" indent="0">
+              <a:buNone/>
+              <a:defRPr sz="1200" b="1"/>
+            </a:lvl7pPr>
+            <a:lvl8pPr marL="2400300" indent="0">
+              <a:buNone/>
+              <a:defRPr sz="1200" b="1"/>
+            </a:lvl8pPr>
+            <a:lvl9pPr marL="2743200" indent="0">
+              <a:buNone/>
+              <a:defRPr sz="1200" b="1"/>
+            </a:lvl9pPr>
           </a:lstStyle>
           <a:p>
             <a:pPr lvl="0"/>
@@ -1553,35 +1568,35 @@
           <a:p>
             <a:pPr lvl="0"/>
             <a:r>
-              <a:rPr lang="en-US" dirty="0"/>
+              <a:rPr lang="en-US"/>
               <a:t>Click to edit Master text styles</a:t>
             </a:r>
           </a:p>
           <a:p>
             <a:pPr lvl="1"/>
             <a:r>
-              <a:rPr lang="en-US" dirty="0"/>
+              <a:rPr lang="en-US"/>
               <a:t>Second level</a:t>
             </a:r>
           </a:p>
           <a:p>
             <a:pPr lvl="2"/>
             <a:r>
-              <a:rPr lang="en-US" dirty="0"/>
+              <a:rPr lang="en-US"/>
               <a:t>Third level</a:t>
             </a:r>
           </a:p>
           <a:p>
             <a:pPr lvl="3"/>
             <a:r>
-              <a:rPr lang="en-US" dirty="0"/>
+              <a:rPr lang="en-US"/>
               <a:t>Fourth level</a:t>
             </a:r>
           </a:p>
           <a:p>
             <a:pPr lvl="4"/>
             <a:r>
-              <a:rPr lang="en-US" dirty="0"/>
+              <a:rPr lang="en-US"/>
               <a:t>Fifth level</a:t>
             </a:r>
           </a:p>
@@ -1604,13 +1619,44 @@
           </a:xfrm>
         </p:spPr>
         <p:txBody>
-          <a:bodyPr vert="horz" lIns="91440" tIns="45720" rIns="91440" bIns="45720" rtlCol="0">
-            <a:normAutofit/>
-          </a:bodyPr>
+          <a:bodyPr anchor="b"/>
           <a:lstStyle>
-            <a:lvl1pPr>
-              <a:defRPr lang="en-US" sz="1800"/>
+            <a:lvl1pPr marL="0" indent="0">
+              <a:buNone/>
+              <a:defRPr sz="1800" b="1"/>
             </a:lvl1pPr>
+            <a:lvl2pPr marL="342900" indent="0">
+              <a:buNone/>
+              <a:defRPr sz="1500" b="1"/>
+            </a:lvl2pPr>
+            <a:lvl3pPr marL="685800" indent="0">
+              <a:buNone/>
+              <a:defRPr sz="1350" b="1"/>
+            </a:lvl3pPr>
+            <a:lvl4pPr marL="1028700" indent="0">
+              <a:buNone/>
+              <a:defRPr sz="1200" b="1"/>
+            </a:lvl4pPr>
+            <a:lvl5pPr marL="1371600" indent="0">
+              <a:buNone/>
+              <a:defRPr sz="1200" b="1"/>
+            </a:lvl5pPr>
+            <a:lvl6pPr marL="1714500" indent="0">
+              <a:buNone/>
+              <a:defRPr sz="1200" b="1"/>
+            </a:lvl6pPr>
+            <a:lvl7pPr marL="2057400" indent="0">
+              <a:buNone/>
+              <a:defRPr sz="1200" b="1"/>
+            </a:lvl7pPr>
+            <a:lvl8pPr marL="2400300" indent="0">
+              <a:buNone/>
+              <a:defRPr sz="1200" b="1"/>
+            </a:lvl8pPr>
+            <a:lvl9pPr marL="2743200" indent="0">
+              <a:buNone/>
+              <a:defRPr sz="1200" b="1"/>
+            </a:lvl9pPr>
           </a:lstStyle>
           <a:p>
             <a:pPr lvl="0"/>
@@ -1722,7 +1768,7 @@
           <a:p>
             <a:fld id="{241EB5C9-1307-BA42-ABA2-0BC069CD8E7F}" type="datetimeFigureOut">
               <a:rPr lang="en-US" smtClean="0"/>
-              <a:t>2/9/25</a:t>
+              <a:t>5/9/25</a:t>
             </a:fld>
             <a:endParaRPr lang="en-US"/>
           </a:p>
@@ -1839,7 +1885,7 @@
           <a:p>
             <a:fld id="{241EB5C9-1307-BA42-ABA2-0BC069CD8E7F}" type="datetimeFigureOut">
               <a:rPr lang="en-US" smtClean="0"/>
-              <a:t>2/9/25</a:t>
+              <a:t>5/9/25</a:t>
             </a:fld>
             <a:endParaRPr lang="en-US"/>
           </a:p>
@@ -1934,7 +1980,7 @@
           <a:p>
             <a:fld id="{241EB5C9-1307-BA42-ABA2-0BC069CD8E7F}" type="datetimeFigureOut">
               <a:rPr lang="en-US" smtClean="0"/>
-              <a:t>2/9/25</a:t>
+              <a:t>5/9/25</a:t>
             </a:fld>
             <a:endParaRPr lang="en-US"/>
           </a:p>
@@ -2032,7 +2078,11 @@
           <a:bodyPr anchor="b"/>
           <a:lstStyle>
             <a:lvl1pPr algn="l">
-              <a:defRPr sz="1500" b="1"/>
+              <a:defRPr sz="1500" b="1">
+                <a:solidFill>
+                  <a:srgbClr val="7030A0"/>
+                </a:solidFill>
+              </a:defRPr>
             </a:lvl1pPr>
           </a:lstStyle>
           <a:p>
@@ -2148,7 +2198,13 @@
           <a:lstStyle>
             <a:lvl1pPr marL="0" indent="0">
               <a:buNone/>
-              <a:defRPr sz="1050"/>
+              <a:defRPr sz="1050">
+                <a:solidFill>
+                  <a:schemeClr val="accent6">
+                    <a:lumMod val="50000"/>
+                  </a:schemeClr>
+                </a:solidFill>
+              </a:defRPr>
             </a:lvl1pPr>
             <a:lvl2pPr marL="342900" indent="0">
               <a:buNone/>
@@ -2209,7 +2265,7 @@
           <a:p>
             <a:fld id="{241EB5C9-1307-BA42-ABA2-0BC069CD8E7F}" type="datetimeFigureOut">
               <a:rPr lang="en-US" smtClean="0"/>
-              <a:t>2/9/25</a:t>
+              <a:t>5/9/25</a:t>
             </a:fld>
             <a:endParaRPr lang="en-US"/>
           </a:p>
@@ -2461,7 +2517,7 @@
           <a:p>
             <a:fld id="{241EB5C9-1307-BA42-ABA2-0BC069CD8E7F}" type="datetimeFigureOut">
               <a:rPr lang="en-US" smtClean="0"/>
-              <a:t>2/9/25</a:t>
+              <a:t>5/9/25</a:t>
             </a:fld>
             <a:endParaRPr lang="en-US"/>
           </a:p>
@@ -2672,7 +2728,7 @@
           <a:p>
             <a:fld id="{241EB5C9-1307-BA42-ABA2-0BC069CD8E7F}" type="datetimeFigureOut">
               <a:rPr lang="en-US" smtClean="0"/>
-              <a:t>2/9/25</a:t>
+              <a:t>5/9/25</a:t>
             </a:fld>
             <a:endParaRPr lang="en-US"/>
           </a:p>
@@ -2786,9 +2842,7 @@
         <a:buNone/>
         <a:defRPr kern="1200" sz="3300">
           <a:solidFill>
-            <a:schemeClr val="accent5">
-              <a:lumMod val="50000"/>
-            </a:schemeClr>
+            <a:srgbClr val="C00000"/>
           </a:solidFill>
           <a:latin typeface="+mj-lt"/>
           <a:ea typeface="+mj-ea"/>
@@ -2805,7 +2859,7 @@
         <a:buChar char="•"/>
         <a:defRPr kern="1200" sz="2400">
           <a:solidFill>
-            <a:schemeClr val="tx1"/>
+            <a:srgbClr val="0070C0"/>
           </a:solidFill>
           <a:latin typeface="+mn-lt"/>
           <a:ea typeface="+mn-ea"/>
@@ -2820,7 +2874,7 @@
         <a:buChar char="–"/>
         <a:defRPr kern="1200" sz="2100">
           <a:solidFill>
-            <a:schemeClr val="tx1"/>
+            <a:srgbClr val="0070C0"/>
           </a:solidFill>
           <a:latin typeface="+mn-lt"/>
           <a:ea typeface="+mn-ea"/>
@@ -2835,7 +2889,7 @@
         <a:buChar char="•"/>
         <a:defRPr kern="1200" sz="1800">
           <a:solidFill>
-            <a:schemeClr val="tx1"/>
+            <a:srgbClr val="0070C0"/>
           </a:solidFill>
           <a:latin typeface="+mn-lt"/>
           <a:ea typeface="+mn-ea"/>
@@ -2850,7 +2904,7 @@
         <a:buChar char="–"/>
         <a:defRPr kern="1200" sz="1500">
           <a:solidFill>
-            <a:schemeClr val="tx1"/>
+            <a:srgbClr val="0070C0"/>
           </a:solidFill>
           <a:latin typeface="+mn-lt"/>
           <a:ea typeface="+mn-ea"/>
@@ -2865,7 +2919,7 @@
         <a:buChar char="»"/>
         <a:defRPr kern="1200" sz="1500">
           <a:solidFill>
-            <a:schemeClr val="tx1"/>
+            <a:srgbClr val="0070C0"/>
           </a:solidFill>
           <a:latin typeface="+mn-lt"/>
           <a:ea typeface="+mn-ea"/>
